--- a/2DGP_소녀픽셀던전.pptx
+++ b/2DGP_소녀픽셀던전.pptx
@@ -8,8 +8,8 @@
     <p:sldId id="256" r:id="rId2"/>
     <p:sldId id="258" r:id="rId3"/>
     <p:sldId id="257" r:id="rId4"/>
-    <p:sldId id="260" r:id="rId5"/>
-    <p:sldId id="261" r:id="rId6"/>
+    <p:sldId id="261" r:id="rId5"/>
+    <p:sldId id="260" r:id="rId6"/>
     <p:sldId id="259" r:id="rId7"/>
   </p:sldIdLst>
   <p:sldSz cx="12192000" cy="6858000"/>
@@ -4067,7 +4067,7 @@
         <p:spPr>
           <a:xfrm>
             <a:off x="604434" y="1800960"/>
-            <a:ext cx="6152827" cy="2308324"/>
+            <a:ext cx="6152827" cy="2677656"/>
           </a:xfrm>
           <a:prstGeom prst="rect">
             <a:avLst/>
@@ -4110,11 +4110,19 @@
             </a:r>
             <a:r>
               <a:rPr lang="en-US" altLang="ko-KR" sz="2400" b="1" dirty="0"/>
-              <a:t>(Pixel Dungeon)'</a:t>
+              <a:t>(Pixel Dungeon)’</a:t>
             </a:r>
             <a:r>
               <a:rPr lang="ko-KR" altLang="en-US" sz="2400" b="1" dirty="0"/>
-              <a:t>의 비공식 변종이자 동인 게임</a:t>
+              <a:t>의 </a:t>
+            </a:r>
+            <a:r>
+              <a:rPr lang="en-US" altLang="ko-KR" sz="2400" b="1" dirty="0"/>
+              <a:t>2</a:t>
+            </a:r>
+            <a:r>
+              <a:rPr lang="ko-KR" altLang="en-US" sz="2400" b="1" dirty="0"/>
+              <a:t>차 창작 게임</a:t>
             </a:r>
             <a:r>
               <a:rPr lang="ko-KR" altLang="en-US" sz="2400" dirty="0"/>
@@ -4122,7 +4130,16 @@
             </a:r>
             <a:r>
               <a:rPr lang="en-US" altLang="ko-KR" sz="2400" dirty="0"/>
-              <a:t>. </a:t>
+              <a:t>.</a:t>
+            </a:r>
+          </a:p>
+          <a:p>
+            <a:endParaRPr lang="en-US" altLang="ko-KR" sz="2400" dirty="0"/>
+          </a:p>
+          <a:p>
+            <a:r>
+              <a:rPr lang="en-US" altLang="ko-KR" sz="2400" dirty="0"/>
+              <a:t> </a:t>
             </a:r>
           </a:p>
           <a:p>
@@ -4158,6 +4175,98 @@
           </a:p>
         </p:txBody>
       </p:sp>
+      <p:sp>
+        <p:nvSpPr>
+          <p:cNvPr id="9" name="AutoShape 6" descr="소녀전선 - 나무위키">
+            <a:extLst>
+              <a:ext uri="{FF2B5EF4-FFF2-40B4-BE49-F238E27FC236}">
+                <a16:creationId xmlns:a16="http://schemas.microsoft.com/office/drawing/2014/main" id="{01404E59-6B83-DE10-80A4-D07FAB4B145D}"/>
+              </a:ext>
+            </a:extLst>
+          </p:cNvPr>
+          <p:cNvSpPr>
+            <a:spLocks noChangeAspect="1" noChangeArrowheads="1"/>
+          </p:cNvSpPr>
+          <p:nvPr/>
+        </p:nvSpPr>
+        <p:spPr bwMode="auto">
+          <a:xfrm>
+            <a:off x="5943600" y="3276600"/>
+            <a:ext cx="304800" cy="304800"/>
+          </a:xfrm>
+          <a:prstGeom prst="rect">
+            <a:avLst/>
+          </a:prstGeom>
+          <a:noFill/>
+          <a:extLst>
+            <a:ext uri="{909E8E84-426E-40DD-AFC4-6F175D3DCCD1}">
+              <a14:hiddenFill xmlns:a14="http://schemas.microsoft.com/office/drawing/2010/main">
+                <a:solidFill>
+                  <a:srgbClr val="FFFFFF"/>
+                </a:solidFill>
+              </a14:hiddenFill>
+            </a:ext>
+          </a:extLst>
+        </p:spPr>
+        <p:txBody>
+          <a:bodyPr vert="horz" wrap="square" lIns="91440" tIns="45720" rIns="91440" bIns="45720" numCol="1" anchor="t" anchorCtr="0" compatLnSpc="1">
+            <a:prstTxWarp prst="textNoShape">
+              <a:avLst/>
+            </a:prstTxWarp>
+          </a:bodyPr>
+          <a:lstStyle/>
+          <a:p>
+            <a:endParaRPr lang="ko-KR" altLang="en-US"/>
+          </a:p>
+        </p:txBody>
+      </p:sp>
+      <p:pic>
+        <p:nvPicPr>
+          <p:cNvPr id="3082" name="Picture 10" descr="세계기행] 미세먼지보다 백만 배 위험한 '소녀전선' 재앙">
+            <a:extLst>
+              <a:ext uri="{FF2B5EF4-FFF2-40B4-BE49-F238E27FC236}">
+                <a16:creationId xmlns:a16="http://schemas.microsoft.com/office/drawing/2014/main" id="{A43A3BF5-2367-CA03-85F7-B43A1B384779}"/>
+              </a:ext>
+            </a:extLst>
+          </p:cNvPr>
+          <p:cNvPicPr>
+            <a:picLocks noChangeAspect="1" noChangeArrowheads="1"/>
+          </p:cNvPicPr>
+          <p:nvPr/>
+        </p:nvPicPr>
+        <p:blipFill>
+          <a:blip r:embed="rId4">
+            <a:extLst>
+              <a:ext uri="{28A0092B-C50C-407E-A947-70E740481C1C}">
+                <a14:useLocalDpi xmlns:a14="http://schemas.microsoft.com/office/drawing/2010/main" val="0"/>
+              </a:ext>
+            </a:extLst>
+          </a:blip>
+          <a:srcRect/>
+          <a:stretch>
+            <a:fillRect/>
+          </a:stretch>
+        </p:blipFill>
+        <p:spPr bwMode="auto">
+          <a:xfrm>
+            <a:off x="7250200" y="4775252"/>
+            <a:ext cx="3405187" cy="2043112"/>
+          </a:xfrm>
+          <a:prstGeom prst="rect">
+            <a:avLst/>
+          </a:prstGeom>
+          <a:noFill/>
+          <a:extLst>
+            <a:ext uri="{909E8E84-426E-40DD-AFC4-6F175D3DCCD1}">
+              <a14:hiddenFill xmlns:a14="http://schemas.microsoft.com/office/drawing/2010/main">
+                <a:solidFill>
+                  <a:srgbClr val="FFFFFF"/>
+                </a:solidFill>
+              </a14:hiddenFill>
+            </a:ext>
+          </a:extLst>
+        </p:spPr>
+      </p:pic>
     </p:spTree>
     <p:extLst>
       <p:ext uri="{BB962C8B-B14F-4D97-AF65-F5344CB8AC3E}">
@@ -4223,8 +4332,12 @@
           <a:lstStyle/>
           <a:p>
             <a:r>
-              <a:rPr lang="ko-KR" altLang="en-US" sz="2400" dirty="0" err="1"/>
-              <a:t>게임컨셉</a:t>
+              <a:rPr lang="ko-KR" altLang="en-US" sz="2400" dirty="0"/>
+              <a:t>게임진행</a:t>
+            </a:r>
+            <a:r>
+              <a:rPr lang="en-US" altLang="ko-KR" sz="2400" dirty="0"/>
+              <a:t>-1</a:t>
             </a:r>
             <a:endParaRPr lang="ko-KR" altLang="en-US" sz="2400" dirty="0"/>
           </a:p>
@@ -4232,10 +4345,176 @@
       </p:sp>
       <p:pic>
         <p:nvPicPr>
-          <p:cNvPr id="1036" name="Picture 12" descr="Coming Soon to Shattered: A New Quest! …Eventually - Shattered Pixel">
-            <a:extLst>
-              <a:ext uri="{FF2B5EF4-FFF2-40B4-BE49-F238E27FC236}">
-                <a16:creationId xmlns:a16="http://schemas.microsoft.com/office/drawing/2014/main" id="{3287BED1-E2B3-9EB5-2448-0EC25B3B39B4}"/>
+          <p:cNvPr id="8" name="그림 7">
+            <a:extLst>
+              <a:ext uri="{FF2B5EF4-FFF2-40B4-BE49-F238E27FC236}">
+                <a16:creationId xmlns:a16="http://schemas.microsoft.com/office/drawing/2014/main" id="{F1A03C50-7859-8035-2555-BAA267FD613A}"/>
+              </a:ext>
+            </a:extLst>
+          </p:cNvPr>
+          <p:cNvPicPr>
+            <a:picLocks noChangeAspect="1"/>
+          </p:cNvPicPr>
+          <p:nvPr/>
+        </p:nvPicPr>
+        <p:blipFill>
+          <a:blip r:embed="rId2"/>
+          <a:stretch>
+            <a:fillRect/>
+          </a:stretch>
+        </p:blipFill>
+        <p:spPr>
+          <a:xfrm>
+            <a:off x="5962117" y="1597182"/>
+            <a:ext cx="2630278" cy="4676052"/>
+          </a:xfrm>
+          <a:prstGeom prst="rect">
+            <a:avLst/>
+          </a:prstGeom>
+        </p:spPr>
+      </p:pic>
+      <p:sp>
+        <p:nvSpPr>
+          <p:cNvPr id="10" name="TextBox 9">
+            <a:extLst>
+              <a:ext uri="{FF2B5EF4-FFF2-40B4-BE49-F238E27FC236}">
+                <a16:creationId xmlns:a16="http://schemas.microsoft.com/office/drawing/2014/main" id="{95D1E6F2-DD66-8EB4-3389-0BAFBE9B7F98}"/>
+              </a:ext>
+            </a:extLst>
+          </p:cNvPr>
+          <p:cNvSpPr txBox="1"/>
+          <p:nvPr/>
+        </p:nvSpPr>
+        <p:spPr>
+          <a:xfrm>
+            <a:off x="612879" y="2376238"/>
+            <a:ext cx="3813678" cy="1200329"/>
+          </a:xfrm>
+          <a:prstGeom prst="rect">
+            <a:avLst/>
+          </a:prstGeom>
+          <a:noFill/>
+        </p:spPr>
+        <p:txBody>
+          <a:bodyPr wrap="square">
+            <a:spAutoFit/>
+          </a:bodyPr>
+          <a:lstStyle/>
+          <a:p>
+            <a:r>
+              <a:rPr lang="ko-KR" altLang="en-US" dirty="0"/>
+              <a:t>층수 +1 레벨' 권장 공식은 플레이어가 몬스터 대비 적정 수준을 유지하도록 유도하는 난이도 및 성장 곡선의 기준이 됩니다</a:t>
+            </a:r>
+          </a:p>
+        </p:txBody>
+      </p:sp>
+      <p:sp>
+        <p:nvSpPr>
+          <p:cNvPr id="12" name="TextBox 11">
+            <a:extLst>
+              <a:ext uri="{FF2B5EF4-FFF2-40B4-BE49-F238E27FC236}">
+                <a16:creationId xmlns:a16="http://schemas.microsoft.com/office/drawing/2014/main" id="{D51AFD3A-6569-75AE-458F-F48C82BC8977}"/>
+              </a:ext>
+            </a:extLst>
+          </p:cNvPr>
+          <p:cNvSpPr txBox="1"/>
+          <p:nvPr/>
+        </p:nvSpPr>
+        <p:spPr>
+          <a:xfrm>
+            <a:off x="612879" y="4080279"/>
+            <a:ext cx="4722173" cy="1754326"/>
+          </a:xfrm>
+          <a:prstGeom prst="rect">
+            <a:avLst/>
+          </a:prstGeom>
+          <a:noFill/>
+        </p:spPr>
+        <p:txBody>
+          <a:bodyPr wrap="square">
+            <a:spAutoFit/>
+          </a:bodyPr>
+          <a:lstStyle/>
+          <a:p>
+            <a:r>
+              <a:rPr lang="ko-KR" altLang="en-US" dirty="0"/>
+              <a:t>던전 깊은 곳에서는 플레이어의 캐릭터</a:t>
+            </a:r>
+            <a:r>
+              <a:rPr lang="en-US" altLang="ko-KR" dirty="0"/>
+              <a:t>(UMP45, G11 </a:t>
+            </a:r>
+            <a:r>
+              <a:rPr lang="ko-KR" altLang="en-US" dirty="0"/>
+              <a:t>등</a:t>
+            </a:r>
+            <a:r>
+              <a:rPr lang="en-US" altLang="ko-KR" dirty="0"/>
+              <a:t>)</a:t>
+            </a:r>
+            <a:r>
+              <a:rPr lang="ko-KR" altLang="en-US" dirty="0"/>
+              <a:t>가 </a:t>
+            </a:r>
+            <a:r>
+              <a:rPr lang="ko-KR" altLang="en-US" b="1" dirty="0"/>
+              <a:t>두 가지 중 하나의 전직</a:t>
+            </a:r>
+            <a:r>
+              <a:rPr lang="ko-KR" altLang="en-US" dirty="0"/>
+              <a:t>을 선택하게 됩니다</a:t>
+            </a:r>
+            <a:r>
+              <a:rPr lang="en-US" altLang="ko-KR" dirty="0"/>
+              <a:t>. </a:t>
+            </a:r>
+          </a:p>
+          <a:p>
+            <a:endParaRPr lang="en-US" altLang="ko-KR" b="1" dirty="0"/>
+          </a:p>
+          <a:p>
+            <a:r>
+              <a:rPr lang="ko-KR" altLang="en-US" b="1" dirty="0"/>
+              <a:t>시작 지점</a:t>
+            </a:r>
+            <a:r>
+              <a:rPr lang="en-US" altLang="ko-KR" b="1" dirty="0"/>
+              <a:t>:</a:t>
+            </a:r>
+            <a:r>
+              <a:rPr lang="ko-KR" altLang="en-US" dirty="0"/>
+              <a:t> 플레이어는 지상이나 마을이 아닌</a:t>
+            </a:r>
+            <a:r>
+              <a:rPr lang="en-US" altLang="ko-KR" dirty="0"/>
+              <a:t>, </a:t>
+            </a:r>
+            <a:r>
+              <a:rPr lang="ko-KR" altLang="en-US" dirty="0"/>
+              <a:t>바로 </a:t>
+            </a:r>
+            <a:r>
+              <a:rPr lang="ko-KR" altLang="en-US" b="1" dirty="0"/>
+              <a:t>지하 던전</a:t>
+            </a:r>
+            <a:r>
+              <a:rPr lang="ko-KR" altLang="en-US" dirty="0"/>
+              <a:t>에서 모험을 시작합니다</a:t>
+            </a:r>
+            <a:r>
+              <a:rPr lang="en-US" altLang="ko-KR" dirty="0"/>
+              <a:t>.</a:t>
+            </a:r>
+            <a:endParaRPr lang="ko-KR" altLang="en-US" dirty="0"/>
+          </a:p>
+        </p:txBody>
+      </p:sp>
+      <p:pic>
+        <p:nvPicPr>
+          <p:cNvPr id="1038" name="Picture 14" descr="소녀픽셀던전 너무 어려웡ㅠㅠㅠ - 소녀전선 - 에펨코리아">
+            <a:extLst>
+              <a:ext uri="{FF2B5EF4-FFF2-40B4-BE49-F238E27FC236}">
+                <a16:creationId xmlns:a16="http://schemas.microsoft.com/office/drawing/2014/main" id="{FF998661-1480-699A-0E2C-55F41E93E702}"/>
               </a:ext>
             </a:extLst>
           </p:cNvPr>
@@ -4245,7 +4524,7 @@
           <p:nvPr/>
         </p:nvPicPr>
         <p:blipFill>
-          <a:blip r:embed="rId2">
+          <a:blip r:embed="rId3">
             <a:extLst>
               <a:ext uri="{28A0092B-C50C-407E-A947-70E740481C1C}">
                 <a14:useLocalDpi xmlns:a14="http://schemas.microsoft.com/office/drawing/2010/main" val="0"/>
@@ -4259,8 +4538,8 @@
         </p:blipFill>
         <p:spPr bwMode="auto">
           <a:xfrm>
-            <a:off x="5244885" y="818127"/>
-            <a:ext cx="6637148" cy="3733396"/>
+            <a:off x="9081273" y="1597182"/>
+            <a:ext cx="2630279" cy="4676052"/>
           </a:xfrm>
           <a:prstGeom prst="rect">
             <a:avLst/>
@@ -4298,7 +4577,7 @@
         <p:cNvPr id="1" name="">
           <a:extLst>
             <a:ext uri="{FF2B5EF4-FFF2-40B4-BE49-F238E27FC236}">
-              <a16:creationId xmlns:a16="http://schemas.microsoft.com/office/drawing/2014/main" id="{F438535F-103D-8A96-2DE8-B0EC5702A8E1}"/>
+              <a16:creationId xmlns:a16="http://schemas.microsoft.com/office/drawing/2014/main" id="{7F81B458-8AFD-E6DD-EDF6-08A58D8CFD80}"/>
             </a:ext>
           </a:extLst>
         </p:cNvPr>
@@ -4313,60 +4592,280 @@
           <a:chExt cx="0" cy="0"/>
         </a:xfrm>
       </p:grpSpPr>
-      <p:sp>
-        <p:nvSpPr>
-          <p:cNvPr id="2" name="제목 1">
-            <a:extLst>
-              <a:ext uri="{FF2B5EF4-FFF2-40B4-BE49-F238E27FC236}">
-                <a16:creationId xmlns:a16="http://schemas.microsoft.com/office/drawing/2014/main" id="{D42C70E0-61B2-B0B1-6A2E-B820E793C926}"/>
-              </a:ext>
-            </a:extLst>
-          </p:cNvPr>
-          <p:cNvSpPr>
-            <a:spLocks noGrp="1"/>
-          </p:cNvSpPr>
-          <p:nvPr>
-            <p:ph type="ctrTitle"/>
-          </p:nvPr>
-        </p:nvSpPr>
-        <p:spPr/>
-        <p:txBody>
-          <a:bodyPr/>
-          <a:lstStyle/>
-          <a:p>
-            <a:endParaRPr lang="ko-KR" altLang="en-US"/>
-          </a:p>
-        </p:txBody>
-      </p:sp>
-      <p:sp>
-        <p:nvSpPr>
-          <p:cNvPr id="3" name="부제목 2">
-            <a:extLst>
-              <a:ext uri="{FF2B5EF4-FFF2-40B4-BE49-F238E27FC236}">
-                <a16:creationId xmlns:a16="http://schemas.microsoft.com/office/drawing/2014/main" id="{FDDB44B0-3A81-E85B-489C-16B34905D899}"/>
-              </a:ext>
-            </a:extLst>
-          </p:cNvPr>
-          <p:cNvSpPr>
-            <a:spLocks noGrp="1"/>
-          </p:cNvSpPr>
-          <p:nvPr>
-            <p:ph type="subTitle" idx="1"/>
-          </p:nvPr>
-        </p:nvSpPr>
-        <p:spPr/>
-        <p:txBody>
-          <a:bodyPr/>
-          <a:lstStyle/>
-          <a:p>
-            <a:endParaRPr lang="ko-KR" altLang="en-US"/>
+      <p:pic>
+        <p:nvPicPr>
+          <p:cNvPr id="10" name="Picture 14" descr="소녀픽셀던전 너무 어려웡ㅠㅠㅠ - 소녀전선 - 에펨코리아">
+            <a:extLst>
+              <a:ext uri="{FF2B5EF4-FFF2-40B4-BE49-F238E27FC236}">
+                <a16:creationId xmlns:a16="http://schemas.microsoft.com/office/drawing/2014/main" id="{FBB3F4CC-9710-9AA6-8424-743E896D2F00}"/>
+              </a:ext>
+            </a:extLst>
+          </p:cNvPr>
+          <p:cNvPicPr>
+            <a:picLocks noChangeAspect="1" noChangeArrowheads="1"/>
+          </p:cNvPicPr>
+          <p:nvPr/>
+        </p:nvPicPr>
+        <p:blipFill>
+          <a:blip r:embed="rId2">
+            <a:extLst>
+              <a:ext uri="{28A0092B-C50C-407E-A947-70E740481C1C}">
+                <a14:useLocalDpi xmlns:a14="http://schemas.microsoft.com/office/drawing/2010/main" val="0"/>
+              </a:ext>
+            </a:extLst>
+          </a:blip>
+          <a:srcRect/>
+          <a:stretch>
+            <a:fillRect/>
+          </a:stretch>
+        </p:blipFill>
+        <p:spPr bwMode="auto">
+          <a:xfrm>
+            <a:off x="8138276" y="310524"/>
+            <a:ext cx="2108128" cy="3747784"/>
+          </a:xfrm>
+          <a:prstGeom prst="rect">
+            <a:avLst/>
+          </a:prstGeom>
+          <a:noFill/>
+          <a:extLst>
+            <a:ext uri="{909E8E84-426E-40DD-AFC4-6F175D3DCCD1}">
+              <a14:hiddenFill xmlns:a14="http://schemas.microsoft.com/office/drawing/2010/main">
+                <a:solidFill>
+                  <a:srgbClr val="FFFFFF"/>
+                </a:solidFill>
+              </a14:hiddenFill>
+            </a:ext>
+          </a:extLst>
+        </p:spPr>
+      </p:pic>
+      <p:pic>
+        <p:nvPicPr>
+          <p:cNvPr id="5" name="그림 4">
+            <a:extLst>
+              <a:ext uri="{FF2B5EF4-FFF2-40B4-BE49-F238E27FC236}">
+                <a16:creationId xmlns:a16="http://schemas.microsoft.com/office/drawing/2014/main" id="{57788E60-EF38-AF1D-A063-71C5BC763EF7}"/>
+              </a:ext>
+            </a:extLst>
+          </p:cNvPr>
+          <p:cNvPicPr>
+            <a:picLocks noChangeAspect="1"/>
+          </p:cNvPicPr>
+          <p:nvPr/>
+        </p:nvPicPr>
+        <p:blipFill>
+          <a:blip r:embed="rId3"/>
+          <a:stretch>
+            <a:fillRect/>
+          </a:stretch>
+        </p:blipFill>
+        <p:spPr>
+          <a:xfrm>
+            <a:off x="6850822" y="4143499"/>
+            <a:ext cx="4938320" cy="2403977"/>
+          </a:xfrm>
+          <a:prstGeom prst="rect">
+            <a:avLst/>
+          </a:prstGeom>
+        </p:spPr>
+      </p:pic>
+      <p:sp>
+        <p:nvSpPr>
+          <p:cNvPr id="7" name="TextBox 6">
+            <a:extLst>
+              <a:ext uri="{FF2B5EF4-FFF2-40B4-BE49-F238E27FC236}">
+                <a16:creationId xmlns:a16="http://schemas.microsoft.com/office/drawing/2014/main" id="{6C8C36F0-FBB7-E7C1-991E-24DDEDFEE48E}"/>
+              </a:ext>
+            </a:extLst>
+          </p:cNvPr>
+          <p:cNvSpPr txBox="1"/>
+          <p:nvPr/>
+        </p:nvSpPr>
+        <p:spPr>
+          <a:xfrm>
+            <a:off x="1300477" y="4329712"/>
+            <a:ext cx="4040702" cy="1200329"/>
+          </a:xfrm>
+          <a:prstGeom prst="rect">
+            <a:avLst/>
+          </a:prstGeom>
+          <a:noFill/>
+        </p:spPr>
+        <p:txBody>
+          <a:bodyPr wrap="square">
+            <a:spAutoFit/>
+          </a:bodyPr>
+          <a:lstStyle/>
+          <a:p>
+            <a:r>
+              <a:rPr lang="ko-KR" altLang="en-US" dirty="0"/>
+              <a:t> "게임 흐름의 마지막 단계입니다.</a:t>
+            </a:r>
+            <a:endParaRPr lang="en-US" altLang="ko-KR" dirty="0"/>
+          </a:p>
+          <a:p>
+            <a:r>
+              <a:rPr lang="ko-KR" altLang="en-US" dirty="0"/>
+              <a:t> </a:t>
+            </a:r>
+            <a:r>
+              <a:rPr lang="ko-KR" altLang="en-US" dirty="0" err="1"/>
+              <a:t>철혈공조에</a:t>
+            </a:r>
+            <a:r>
+              <a:rPr lang="ko-KR" altLang="en-US" dirty="0"/>
+              <a:t> 납치된 M4A1을 구출하는 미션을 완수하며 마침내 게임의 엔딩을 보게 됩니다."</a:t>
+            </a:r>
+          </a:p>
+        </p:txBody>
+      </p:sp>
+      <p:sp>
+        <p:nvSpPr>
+          <p:cNvPr id="9" name="TextBox 8">
+            <a:extLst>
+              <a:ext uri="{FF2B5EF4-FFF2-40B4-BE49-F238E27FC236}">
+                <a16:creationId xmlns:a16="http://schemas.microsoft.com/office/drawing/2014/main" id="{7D9EC1B9-274C-6692-575A-3D351A9FC013}"/>
+              </a:ext>
+            </a:extLst>
+          </p:cNvPr>
+          <p:cNvSpPr txBox="1"/>
+          <p:nvPr/>
+        </p:nvSpPr>
+        <p:spPr>
+          <a:xfrm>
+            <a:off x="411480" y="553634"/>
+            <a:ext cx="3889353" cy="584775"/>
+          </a:xfrm>
+          <a:prstGeom prst="rect">
+            <a:avLst/>
+          </a:prstGeom>
+          <a:noFill/>
+        </p:spPr>
+        <p:txBody>
+          <a:bodyPr wrap="square">
+            <a:spAutoFit/>
+          </a:bodyPr>
+          <a:lstStyle/>
+          <a:p>
+            <a:r>
+              <a:rPr lang="ko-KR" altLang="en-US" sz="3200"/>
+              <a:t>게임진행 </a:t>
+            </a:r>
+            <a:r>
+              <a:rPr lang="en-US" altLang="ko-KR" sz="3200"/>
+              <a:t>-2</a:t>
+            </a:r>
+            <a:endParaRPr lang="ko-KR" altLang="en-US" sz="3200" dirty="0"/>
+          </a:p>
+        </p:txBody>
+      </p:sp>
+      <p:sp>
+        <p:nvSpPr>
+          <p:cNvPr id="11" name="TextBox 10">
+            <a:extLst>
+              <a:ext uri="{FF2B5EF4-FFF2-40B4-BE49-F238E27FC236}">
+                <a16:creationId xmlns:a16="http://schemas.microsoft.com/office/drawing/2014/main" id="{36C626E0-62C8-CCF9-1EB2-5EFF557D351B}"/>
+              </a:ext>
+            </a:extLst>
+          </p:cNvPr>
+          <p:cNvSpPr txBox="1"/>
+          <p:nvPr/>
+        </p:nvSpPr>
+        <p:spPr>
+          <a:xfrm>
+            <a:off x="954686" y="1397675"/>
+            <a:ext cx="4872249" cy="2031325"/>
+          </a:xfrm>
+          <a:prstGeom prst="rect">
+            <a:avLst/>
+          </a:prstGeom>
+          <a:noFill/>
+        </p:spPr>
+        <p:txBody>
+          <a:bodyPr wrap="square">
+            <a:spAutoFit/>
+          </a:bodyPr>
+          <a:lstStyle/>
+          <a:p>
+            <a:r>
+              <a:rPr lang="en-US" altLang="ko-KR" dirty="0"/>
+              <a:t>"</a:t>
+            </a:r>
+            <a:r>
+              <a:rPr lang="ko-KR" altLang="en-US" dirty="0"/>
+              <a:t>층수가 깊어질수록 </a:t>
+            </a:r>
+            <a:r>
+              <a:rPr lang="ko-KR" altLang="en-US" b="1" dirty="0"/>
+              <a:t>적들의 체력과 공격력이 높아지며</a:t>
+            </a:r>
+            <a:r>
+              <a:rPr lang="en-US" altLang="ko-KR" dirty="0"/>
+              <a:t>, </a:t>
+            </a:r>
+            <a:r>
+              <a:rPr lang="ko-KR" altLang="en-US" dirty="0"/>
+              <a:t>난이도가 급격히 상승합니다</a:t>
+            </a:r>
+            <a:r>
+              <a:rPr lang="en-US" altLang="ko-KR" dirty="0"/>
+              <a:t>. </a:t>
+            </a:r>
+            <a:r>
+              <a:rPr lang="ko-KR" altLang="en-US" dirty="0"/>
+              <a:t>때로는 </a:t>
+            </a:r>
+            <a:r>
+              <a:rPr lang="ko-KR" altLang="en-US" b="1" dirty="0"/>
+              <a:t>특정 조건을 만족</a:t>
+            </a:r>
+            <a:r>
+              <a:rPr lang="ko-KR" altLang="en-US" dirty="0"/>
+              <a:t>시켜 일반 루트를 벗어난 **</a:t>
+            </a:r>
+            <a:r>
+              <a:rPr lang="en-US" altLang="ko-KR" dirty="0"/>
+              <a:t>'</a:t>
+            </a:r>
+            <a:r>
+              <a:rPr lang="ko-KR" altLang="en-US" dirty="0"/>
+              <a:t>분기점</a:t>
+            </a:r>
+            <a:r>
+              <a:rPr lang="en-US" altLang="ko-KR" dirty="0"/>
+              <a:t>'**</a:t>
+            </a:r>
+            <a:r>
+              <a:rPr lang="ko-KR" altLang="en-US" dirty="0"/>
+              <a:t>에 진입할 수 있습니다</a:t>
+            </a:r>
+            <a:r>
+              <a:rPr lang="en-US" altLang="ko-KR" dirty="0"/>
+              <a:t>. </a:t>
+            </a:r>
+            <a:r>
+              <a:rPr lang="ko-KR" altLang="en-US" dirty="0"/>
+              <a:t>분기점에는 기존 던전과는 다른 강력한 몬스터와 보스가 등장하지만</a:t>
+            </a:r>
+            <a:r>
+              <a:rPr lang="en-US" altLang="ko-KR" dirty="0"/>
+              <a:t>, </a:t>
+            </a:r>
+            <a:r>
+              <a:rPr lang="ko-KR" altLang="en-US" dirty="0"/>
+              <a:t>성공적으로 공략하면 더 좋은 보상을 얻을 수 있습니다</a:t>
+            </a:r>
+            <a:r>
+              <a:rPr lang="en-US" altLang="ko-KR" dirty="0"/>
+              <a:t>."</a:t>
+            </a:r>
           </a:p>
         </p:txBody>
       </p:sp>
     </p:spTree>
     <p:extLst>
       <p:ext uri="{BB962C8B-B14F-4D97-AF65-F5344CB8AC3E}">
-        <p14:creationId xmlns:p14="http://schemas.microsoft.com/office/powerpoint/2010/main" val="2699235443"/>
+        <p14:creationId xmlns:p14="http://schemas.microsoft.com/office/powerpoint/2010/main" val="1213585848"/>
       </p:ext>
     </p:extLst>
   </p:cSld>
@@ -4384,7 +4883,7 @@
         <p:cNvPr id="1" name="">
           <a:extLst>
             <a:ext uri="{FF2B5EF4-FFF2-40B4-BE49-F238E27FC236}">
-              <a16:creationId xmlns:a16="http://schemas.microsoft.com/office/drawing/2014/main" id="{7F81B458-8AFD-E6DD-EDF6-08A58D8CFD80}"/>
+              <a16:creationId xmlns:a16="http://schemas.microsoft.com/office/drawing/2014/main" id="{F438535F-103D-8A96-2DE8-B0EC5702A8E1}"/>
             </a:ext>
           </a:extLst>
         </p:cNvPr>
@@ -4399,60 +4898,409 @@
           <a:chExt cx="0" cy="0"/>
         </a:xfrm>
       </p:grpSpPr>
-      <p:sp>
-        <p:nvSpPr>
-          <p:cNvPr id="2" name="제목 1">
-            <a:extLst>
-              <a:ext uri="{FF2B5EF4-FFF2-40B4-BE49-F238E27FC236}">
-                <a16:creationId xmlns:a16="http://schemas.microsoft.com/office/drawing/2014/main" id="{1C565999-3870-9BA1-FD83-470D9B32DBA9}"/>
-              </a:ext>
-            </a:extLst>
-          </p:cNvPr>
-          <p:cNvSpPr>
-            <a:spLocks noGrp="1"/>
-          </p:cNvSpPr>
-          <p:nvPr>
-            <p:ph type="ctrTitle"/>
-          </p:nvPr>
-        </p:nvSpPr>
-        <p:spPr/>
-        <p:txBody>
-          <a:bodyPr/>
-          <a:lstStyle/>
-          <a:p>
-            <a:endParaRPr lang="ko-KR" altLang="en-US"/>
-          </a:p>
-        </p:txBody>
-      </p:sp>
-      <p:sp>
-        <p:nvSpPr>
-          <p:cNvPr id="3" name="부제목 2">
-            <a:extLst>
-              <a:ext uri="{FF2B5EF4-FFF2-40B4-BE49-F238E27FC236}">
-                <a16:creationId xmlns:a16="http://schemas.microsoft.com/office/drawing/2014/main" id="{BFD9D936-B33D-C20C-C798-E803ACE03C3E}"/>
-              </a:ext>
-            </a:extLst>
-          </p:cNvPr>
-          <p:cNvSpPr>
-            <a:spLocks noGrp="1"/>
-          </p:cNvSpPr>
-          <p:nvPr>
-            <p:ph type="subTitle" idx="1"/>
-          </p:nvPr>
-        </p:nvSpPr>
-        <p:spPr/>
-        <p:txBody>
-          <a:bodyPr/>
-          <a:lstStyle/>
-          <a:p>
-            <a:endParaRPr lang="ko-KR" altLang="en-US"/>
+      <p:pic>
+        <p:nvPicPr>
+          <p:cNvPr id="4098" name="Picture 2">
+            <a:extLst>
+              <a:ext uri="{FF2B5EF4-FFF2-40B4-BE49-F238E27FC236}">
+                <a16:creationId xmlns:a16="http://schemas.microsoft.com/office/drawing/2014/main" id="{C2912714-1494-497B-1D6D-A0C0B2283162}"/>
+              </a:ext>
+            </a:extLst>
+          </p:cNvPr>
+          <p:cNvPicPr>
+            <a:picLocks noChangeAspect="1" noChangeArrowheads="1"/>
+          </p:cNvPicPr>
+          <p:nvPr/>
+        </p:nvPicPr>
+        <p:blipFill>
+          <a:blip r:embed="rId2">
+            <a:extLst>
+              <a:ext uri="{28A0092B-C50C-407E-A947-70E740481C1C}">
+                <a14:useLocalDpi xmlns:a14="http://schemas.microsoft.com/office/drawing/2010/main" val="0"/>
+              </a:ext>
+            </a:extLst>
+          </a:blip>
+          <a:srcRect/>
+          <a:stretch>
+            <a:fillRect/>
+          </a:stretch>
+        </p:blipFill>
+        <p:spPr bwMode="auto">
+          <a:xfrm>
+            <a:off x="8039050" y="516707"/>
+            <a:ext cx="3318429" cy="5457027"/>
+          </a:xfrm>
+          <a:prstGeom prst="rect">
+            <a:avLst/>
+          </a:prstGeom>
+          <a:noFill/>
+          <a:extLst>
+            <a:ext uri="{909E8E84-426E-40DD-AFC4-6F175D3DCCD1}">
+              <a14:hiddenFill xmlns:a14="http://schemas.microsoft.com/office/drawing/2010/main">
+                <a:solidFill>
+                  <a:srgbClr val="FFFFFF"/>
+                </a:solidFill>
+              </a14:hiddenFill>
+            </a:ext>
+          </a:extLst>
+        </p:spPr>
+      </p:pic>
+      <p:sp>
+        <p:nvSpPr>
+          <p:cNvPr id="5" name="TextBox 4">
+            <a:extLst>
+              <a:ext uri="{FF2B5EF4-FFF2-40B4-BE49-F238E27FC236}">
+                <a16:creationId xmlns:a16="http://schemas.microsoft.com/office/drawing/2014/main" id="{36B75BB5-B6F0-5B0A-CBBA-765F9CECE682}"/>
+              </a:ext>
+            </a:extLst>
+          </p:cNvPr>
+          <p:cNvSpPr txBox="1"/>
+          <p:nvPr/>
+        </p:nvSpPr>
+        <p:spPr>
+          <a:xfrm>
+            <a:off x="535378" y="799475"/>
+            <a:ext cx="6098582" cy="369332"/>
+          </a:xfrm>
+          <a:prstGeom prst="rect">
+            <a:avLst/>
+          </a:prstGeom>
+          <a:noFill/>
+        </p:spPr>
+        <p:txBody>
+          <a:bodyPr wrap="square">
+            <a:spAutoFit/>
+          </a:bodyPr>
+          <a:lstStyle/>
+          <a:p>
+            <a:r>
+              <a:rPr lang="ko-KR" altLang="en-US" sz="1800"/>
+              <a:t>게임특징</a:t>
+            </a:r>
+            <a:endParaRPr lang="ko-KR" altLang="en-US" sz="1800" dirty="0"/>
+          </a:p>
+        </p:txBody>
+      </p:sp>
+      <p:pic>
+        <p:nvPicPr>
+          <p:cNvPr id="7" name="그림 6">
+            <a:extLst>
+              <a:ext uri="{FF2B5EF4-FFF2-40B4-BE49-F238E27FC236}">
+                <a16:creationId xmlns:a16="http://schemas.microsoft.com/office/drawing/2014/main" id="{B685B71E-E011-6E6C-CF06-378FBF2D1E27}"/>
+              </a:ext>
+            </a:extLst>
+          </p:cNvPr>
+          <p:cNvPicPr>
+            <a:picLocks noChangeAspect="1"/>
+          </p:cNvPicPr>
+          <p:nvPr/>
+        </p:nvPicPr>
+        <p:blipFill>
+          <a:blip r:embed="rId3"/>
+          <a:stretch>
+            <a:fillRect/>
+          </a:stretch>
+        </p:blipFill>
+        <p:spPr>
+          <a:xfrm>
+            <a:off x="4514028" y="516708"/>
+            <a:ext cx="3070137" cy="5458022"/>
+          </a:xfrm>
+          <a:prstGeom prst="rect">
+            <a:avLst/>
+          </a:prstGeom>
+        </p:spPr>
+      </p:pic>
+      <p:sp>
+        <p:nvSpPr>
+          <p:cNvPr id="9" name="TextBox 8">
+            <a:extLst>
+              <a:ext uri="{FF2B5EF4-FFF2-40B4-BE49-F238E27FC236}">
+                <a16:creationId xmlns:a16="http://schemas.microsoft.com/office/drawing/2014/main" id="{DD6D44C9-F398-CE24-68EC-D96F4BAD6971}"/>
+              </a:ext>
+            </a:extLst>
+          </p:cNvPr>
+          <p:cNvSpPr txBox="1"/>
+          <p:nvPr/>
+        </p:nvSpPr>
+        <p:spPr>
+          <a:xfrm>
+            <a:off x="279050" y="1451574"/>
+            <a:ext cx="3933496" cy="369332"/>
+          </a:xfrm>
+          <a:prstGeom prst="rect">
+            <a:avLst/>
+          </a:prstGeom>
+          <a:noFill/>
+        </p:spPr>
+        <p:txBody>
+          <a:bodyPr wrap="square">
+            <a:spAutoFit/>
+          </a:bodyPr>
+          <a:lstStyle/>
+          <a:p>
+            <a:r>
+              <a:rPr lang="en-US" altLang="ko-KR" dirty="0"/>
+              <a:t>1. </a:t>
+            </a:r>
+            <a:r>
+              <a:rPr lang="ko-KR" altLang="en-US" dirty="0"/>
+              <a:t>직관적인 인터페이스와 성장 요소</a:t>
+            </a:r>
+          </a:p>
+        </p:txBody>
+      </p:sp>
+      <p:cxnSp>
+        <p:nvCxnSpPr>
+          <p:cNvPr id="11" name="직선 화살표 연결선 10">
+            <a:extLst>
+              <a:ext uri="{FF2B5EF4-FFF2-40B4-BE49-F238E27FC236}">
+                <a16:creationId xmlns:a16="http://schemas.microsoft.com/office/drawing/2014/main" id="{3562FF91-52F5-0D82-841C-B44373AA71FC}"/>
+              </a:ext>
+            </a:extLst>
+          </p:cNvPr>
+          <p:cNvCxnSpPr>
+            <a:cxnSpLocks/>
+            <a:stCxn id="9" idx="3"/>
+          </p:cNvCxnSpPr>
+          <p:nvPr/>
+        </p:nvCxnSpPr>
+        <p:spPr>
+          <a:xfrm flipV="1">
+            <a:off x="4212546" y="1168807"/>
+            <a:ext cx="573865" cy="467433"/>
+          </a:xfrm>
+          <a:prstGeom prst="straightConnector1">
+            <a:avLst/>
+          </a:prstGeom>
+          <a:ln>
+            <a:solidFill>
+              <a:srgbClr val="C00000"/>
+            </a:solidFill>
+            <a:tailEnd type="triangle"/>
+          </a:ln>
+        </p:spPr>
+        <p:style>
+          <a:lnRef idx="2">
+            <a:schemeClr val="accent1"/>
+          </a:lnRef>
+          <a:fillRef idx="0">
+            <a:schemeClr val="accent1"/>
+          </a:fillRef>
+          <a:effectRef idx="1">
+            <a:schemeClr val="accent1"/>
+          </a:effectRef>
+          <a:fontRef idx="minor">
+            <a:schemeClr val="tx1"/>
+          </a:fontRef>
+        </p:style>
+      </p:cxnSp>
+      <p:sp>
+        <p:nvSpPr>
+          <p:cNvPr id="15" name="TextBox 14">
+            <a:extLst>
+              <a:ext uri="{FF2B5EF4-FFF2-40B4-BE49-F238E27FC236}">
+                <a16:creationId xmlns:a16="http://schemas.microsoft.com/office/drawing/2014/main" id="{869E8776-DA6D-625A-28E1-DE7926815AED}"/>
+              </a:ext>
+            </a:extLst>
+          </p:cNvPr>
+          <p:cNvSpPr txBox="1"/>
+          <p:nvPr/>
+        </p:nvSpPr>
+        <p:spPr>
+          <a:xfrm>
+            <a:off x="279050" y="2103673"/>
+            <a:ext cx="3996558" cy="646331"/>
+          </a:xfrm>
+          <a:prstGeom prst="rect">
+            <a:avLst/>
+          </a:prstGeom>
+          <a:noFill/>
+        </p:spPr>
+        <p:txBody>
+          <a:bodyPr wrap="square">
+            <a:spAutoFit/>
+          </a:bodyPr>
+          <a:lstStyle/>
+          <a:p>
+            <a:r>
+              <a:rPr lang="ko-KR" altLang="en-US" b="1" dirty="0"/>
+              <a:t>레벨</a:t>
+            </a:r>
+            <a:r>
+              <a:rPr lang="en-US" altLang="ko-KR" b="1" dirty="0"/>
+              <a:t>(Level) </a:t>
+            </a:r>
+            <a:r>
+              <a:rPr lang="ko-KR" altLang="en-US" b="1" dirty="0"/>
+              <a:t>및 직업</a:t>
+            </a:r>
+            <a:r>
+              <a:rPr lang="en-US" altLang="ko-KR" b="1" dirty="0"/>
+              <a:t>:</a:t>
+            </a:r>
+          </a:p>
+          <a:p>
+            <a:r>
+              <a:rPr lang="ko-KR" altLang="en-US" dirty="0"/>
+              <a:t> 캐릭터의 현재 </a:t>
+            </a:r>
+            <a:r>
+              <a:rPr lang="ko-KR" altLang="en-US" b="1" dirty="0"/>
+              <a:t>레벨</a:t>
+            </a:r>
+            <a:r>
+              <a:rPr lang="ko-KR" altLang="en-US" dirty="0"/>
+              <a:t>이 표시</a:t>
+            </a:r>
+          </a:p>
+        </p:txBody>
+      </p:sp>
+      <p:sp>
+        <p:nvSpPr>
+          <p:cNvPr id="17" name="TextBox 16">
+            <a:extLst>
+              <a:ext uri="{FF2B5EF4-FFF2-40B4-BE49-F238E27FC236}">
+                <a16:creationId xmlns:a16="http://schemas.microsoft.com/office/drawing/2014/main" id="{2B99ACD5-E325-A975-3343-C216DBDE1CC5}"/>
+              </a:ext>
+            </a:extLst>
+          </p:cNvPr>
+          <p:cNvSpPr txBox="1"/>
+          <p:nvPr/>
+        </p:nvSpPr>
+        <p:spPr>
+          <a:xfrm>
+            <a:off x="184457" y="2988304"/>
+            <a:ext cx="3874686" cy="2585323"/>
+          </a:xfrm>
+          <a:prstGeom prst="rect">
+            <a:avLst/>
+          </a:prstGeom>
+          <a:noFill/>
+        </p:spPr>
+        <p:txBody>
+          <a:bodyPr wrap="square">
+            <a:spAutoFit/>
+          </a:bodyPr>
+          <a:lstStyle/>
+          <a:p>
+            <a:r>
+              <a:rPr lang="ko-KR" altLang="en-US" b="1" dirty="0"/>
+              <a:t>미식별 요소 </a:t>
+            </a:r>
+            <a:r>
+              <a:rPr lang="en-US" altLang="ko-KR" b="1" dirty="0"/>
+              <a:t>(</a:t>
+            </a:r>
+            <a:r>
+              <a:rPr lang="ko-KR" altLang="en-US" b="1" dirty="0" err="1"/>
+              <a:t>로그라이크</a:t>
+            </a:r>
+            <a:r>
+              <a:rPr lang="ko-KR" altLang="en-US" b="1" dirty="0"/>
+              <a:t> 규칙</a:t>
+            </a:r>
+            <a:r>
+              <a:rPr lang="en-US" altLang="ko-KR" b="1" dirty="0"/>
+              <a:t>):</a:t>
+            </a:r>
+            <a:r>
+              <a:rPr lang="ko-KR" altLang="en-US" dirty="0"/>
+              <a:t> 오른쪽 이미지 하단의 메시지처럼</a:t>
+            </a:r>
+            <a:r>
+              <a:rPr lang="en-US" altLang="ko-KR" dirty="0"/>
+              <a:t>, </a:t>
+            </a:r>
+            <a:r>
+              <a:rPr lang="ko-KR" altLang="en-US" dirty="0"/>
+              <a:t>획득한 </a:t>
+            </a:r>
+            <a:r>
+              <a:rPr lang="ko-KR" altLang="en-US" b="1" dirty="0"/>
+              <a:t>주문서</a:t>
+            </a:r>
+            <a:r>
+              <a:rPr lang="en-US" altLang="ko-KR" b="1" dirty="0"/>
+              <a:t>(Scroll)</a:t>
+            </a:r>
+            <a:r>
+              <a:rPr lang="ko-KR" altLang="en-US" b="1" dirty="0"/>
+              <a:t>나 물약</a:t>
+            </a:r>
+            <a:r>
+              <a:rPr lang="ko-KR" altLang="en-US" dirty="0"/>
+              <a:t>은 사용하거나 </a:t>
+            </a:r>
+            <a:r>
+              <a:rPr lang="en-US" altLang="ko-KR" dirty="0"/>
+              <a:t>'</a:t>
+            </a:r>
+            <a:r>
+              <a:rPr lang="ko-KR" altLang="en-US" dirty="0"/>
+              <a:t>감정</a:t>
+            </a:r>
+            <a:r>
+              <a:rPr lang="en-US" altLang="ko-KR" dirty="0"/>
+              <a:t>(</a:t>
+            </a:r>
+            <a:r>
+              <a:rPr lang="ko-KR" altLang="en-US" dirty="0"/>
+              <a:t>식별</a:t>
+            </a:r>
+            <a:r>
+              <a:rPr lang="en-US" altLang="ko-KR" dirty="0"/>
+              <a:t>)'</a:t>
+            </a:r>
+            <a:r>
+              <a:rPr lang="ko-KR" altLang="en-US" dirty="0"/>
+              <a:t>하기 전까지는 그 효능을 알 수 없습니다</a:t>
+            </a:r>
+            <a:r>
+              <a:rPr lang="en-US" altLang="ko-KR" dirty="0"/>
+              <a:t>.</a:t>
+            </a:r>
+          </a:p>
+          <a:p>
+            <a:endParaRPr lang="en-US" altLang="ko-KR" dirty="0"/>
+          </a:p>
+          <a:p>
+            <a:r>
+              <a:rPr lang="en-US" altLang="ko-KR" dirty="0"/>
+              <a:t> </a:t>
+            </a:r>
+            <a:r>
+              <a:rPr lang="ko-KR" altLang="en-US" dirty="0"/>
+              <a:t>이는 매 게임마다 새로운 </a:t>
+            </a:r>
+            <a:r>
+              <a:rPr lang="ko-KR" altLang="en-US" b="1" dirty="0"/>
+              <a:t>도전과 위험</a:t>
+            </a:r>
+            <a:r>
+              <a:rPr lang="ko-KR" altLang="en-US" dirty="0"/>
+              <a:t>을 더하는 </a:t>
+            </a:r>
+            <a:r>
+              <a:rPr lang="ko-KR" altLang="en-US" dirty="0" err="1"/>
+              <a:t>로그라이크의</a:t>
+            </a:r>
+            <a:r>
+              <a:rPr lang="ko-KR" altLang="en-US" dirty="0"/>
+              <a:t> 중요한 특징입니다</a:t>
+            </a:r>
+            <a:r>
+              <a:rPr lang="en-US" altLang="ko-KR" dirty="0"/>
+              <a:t>.</a:t>
+            </a:r>
+            <a:endParaRPr lang="ko-KR" altLang="en-US" dirty="0"/>
           </a:p>
         </p:txBody>
       </p:sp>
     </p:spTree>
     <p:extLst>
       <p:ext uri="{BB962C8B-B14F-4D97-AF65-F5344CB8AC3E}">
-        <p14:creationId xmlns:p14="http://schemas.microsoft.com/office/powerpoint/2010/main" val="1213585848"/>
+        <p14:creationId xmlns:p14="http://schemas.microsoft.com/office/powerpoint/2010/main" val="2699235443"/>
       </p:ext>
     </p:extLst>
   </p:cSld>

--- a/2DGP_소녀픽셀던전.pptx
+++ b/2DGP_소녀픽셀던전.pptx
@@ -109,6 +109,11 @@
       </a:defRPr>
     </a:lvl9pPr>
   </p:defaultTextStyle>
+  <p:extLst>
+    <p:ext uri="{EFAFB233-063F-42B5-8137-9DF3F51BA10A}">
+      <p15:sldGuideLst xmlns:p15="http://schemas.microsoft.com/office/powerpoint/2012/main"/>
+    </p:ext>
+  </p:extLst>
 </p:presentation>
 </file>
 
@@ -4699,7 +4704,7 @@
           <a:p>
             <a:r>
               <a:rPr lang="ko-KR" altLang="en-US" dirty="0"/>
-              <a:t> "게임 흐름의 마지막 단계입니다.</a:t>
+              <a:t> 게임 흐름의 마지막 단계입니다.</a:t>
             </a:r>
             <a:endParaRPr lang="en-US" altLang="ko-KR" dirty="0"/>
           </a:p>
@@ -4714,7 +4719,7 @@
             </a:r>
             <a:r>
               <a:rPr lang="ko-KR" altLang="en-US" dirty="0"/>
-              <a:t> 납치된 M4A1을 구출하는 미션을 완수하며 마침내 게임의 엔딩을 보게 됩니다."</a:t>
+              <a:t> 납치된 M4A1을 구출하는 미션을 완수하며 마침내 게임의 엔딩을 보게 됩니다.</a:t>
             </a:r>
           </a:p>
         </p:txBody>
@@ -4788,10 +4793,6 @@
           <a:lstStyle/>
           <a:p>
             <a:r>
-              <a:rPr lang="en-US" altLang="ko-KR" dirty="0"/>
-              <a:t>"</a:t>
-            </a:r>
-            <a:r>
               <a:rPr lang="ko-KR" altLang="en-US" dirty="0"/>
               <a:t>층수가 깊어질수록 </a:t>
             </a:r>
@@ -4809,7 +4810,13 @@
             </a:r>
             <a:r>
               <a:rPr lang="en-US" altLang="ko-KR" dirty="0"/>
-              <a:t>. </a:t>
+              <a:t>.</a:t>
+            </a:r>
+          </a:p>
+          <a:p>
+            <a:r>
+              <a:rPr lang="en-US" altLang="ko-KR" dirty="0"/>
+              <a:t> </a:t>
             </a:r>
             <a:r>
               <a:rPr lang="ko-KR" altLang="en-US" dirty="0"/>
@@ -4821,7 +4828,7 @@
             </a:r>
             <a:r>
               <a:rPr lang="ko-KR" altLang="en-US" dirty="0"/>
-              <a:t>시켜 일반 루트를 벗어난 **</a:t>
+              <a:t>시켜 일반 루트를 벗어난 </a:t>
             </a:r>
             <a:r>
               <a:rPr lang="en-US" altLang="ko-KR" dirty="0"/>
@@ -4833,7 +4840,7 @@
             </a:r>
             <a:r>
               <a:rPr lang="en-US" altLang="ko-KR" dirty="0"/>
-              <a:t>'**</a:t>
+              <a:t>'</a:t>
             </a:r>
             <a:r>
               <a:rPr lang="ko-KR" altLang="en-US" dirty="0"/>
@@ -4843,6 +4850,8 @@
               <a:rPr lang="en-US" altLang="ko-KR" dirty="0"/>
               <a:t>. </a:t>
             </a:r>
+          </a:p>
+          <a:p>
             <a:r>
               <a:rPr lang="ko-KR" altLang="en-US" dirty="0"/>
               <a:t>분기점에는 기존 던전과는 다른 강력한 몬스터와 보스가 등장하지만</a:t>
@@ -4857,7 +4866,7 @@
             </a:r>
             <a:r>
               <a:rPr lang="en-US" altLang="ko-KR" dirty="0"/>
-              <a:t>."</a:t>
+              <a:t>.</a:t>
             </a:r>
           </a:p>
         </p:txBody>
